--- a/ClassGraph.pptx
+++ b/ClassGraph.pptx
@@ -288,7 +288,8 @@
           <a:p>
             <a:fld id="{7ADE2C52-695C-46A9-9412-2557E544C386}" type="datetimeFigureOut">
               <a:rPr lang="fr-FR" smtClean="0"/>
-              <a:t>16/02/2015</a:t>
+              <a:pPr/>
+              <a:t>17/02/2015</a:t>
             </a:fld>
             <a:endParaRPr lang="fr-FR"/>
           </a:p>
@@ -330,6 +331,7 @@
           <a:p>
             <a:fld id="{9DA02370-E2F1-418A-B3D4-5D4E39D3B40B}" type="slidenum">
               <a:rPr lang="fr-FR" smtClean="0"/>
+              <a:pPr/>
               <a:t>‹N°›</a:t>
             </a:fld>
             <a:endParaRPr lang="fr-FR"/>
@@ -453,7 +455,8 @@
           <a:p>
             <a:fld id="{7ADE2C52-695C-46A9-9412-2557E544C386}" type="datetimeFigureOut">
               <a:rPr lang="fr-FR" smtClean="0"/>
-              <a:t>16/02/2015</a:t>
+              <a:pPr/>
+              <a:t>17/02/2015</a:t>
             </a:fld>
             <a:endParaRPr lang="fr-FR"/>
           </a:p>
@@ -495,6 +498,7 @@
           <a:p>
             <a:fld id="{9DA02370-E2F1-418A-B3D4-5D4E39D3B40B}" type="slidenum">
               <a:rPr lang="fr-FR" smtClean="0"/>
+              <a:pPr/>
               <a:t>‹N°›</a:t>
             </a:fld>
             <a:endParaRPr lang="fr-FR"/>
@@ -628,7 +632,8 @@
           <a:p>
             <a:fld id="{7ADE2C52-695C-46A9-9412-2557E544C386}" type="datetimeFigureOut">
               <a:rPr lang="fr-FR" smtClean="0"/>
-              <a:t>16/02/2015</a:t>
+              <a:pPr/>
+              <a:t>17/02/2015</a:t>
             </a:fld>
             <a:endParaRPr lang="fr-FR"/>
           </a:p>
@@ -670,6 +675,7 @@
           <a:p>
             <a:fld id="{9DA02370-E2F1-418A-B3D4-5D4E39D3B40B}" type="slidenum">
               <a:rPr lang="fr-FR" smtClean="0"/>
+              <a:pPr/>
               <a:t>‹N°›</a:t>
             </a:fld>
             <a:endParaRPr lang="fr-FR"/>
@@ -793,7 +799,8 @@
           <a:p>
             <a:fld id="{7ADE2C52-695C-46A9-9412-2557E544C386}" type="datetimeFigureOut">
               <a:rPr lang="fr-FR" smtClean="0"/>
-              <a:t>16/02/2015</a:t>
+              <a:pPr/>
+              <a:t>17/02/2015</a:t>
             </a:fld>
             <a:endParaRPr lang="fr-FR"/>
           </a:p>
@@ -835,6 +842,7 @@
           <a:p>
             <a:fld id="{9DA02370-E2F1-418A-B3D4-5D4E39D3B40B}" type="slidenum">
               <a:rPr lang="fr-FR" smtClean="0"/>
+              <a:pPr/>
               <a:t>‹N°›</a:t>
             </a:fld>
             <a:endParaRPr lang="fr-FR"/>
@@ -1034,7 +1042,8 @@
           <a:p>
             <a:fld id="{7ADE2C52-695C-46A9-9412-2557E544C386}" type="datetimeFigureOut">
               <a:rPr lang="fr-FR" smtClean="0"/>
-              <a:t>16/02/2015</a:t>
+              <a:pPr/>
+              <a:t>17/02/2015</a:t>
             </a:fld>
             <a:endParaRPr lang="fr-FR"/>
           </a:p>
@@ -1076,6 +1085,7 @@
           <a:p>
             <a:fld id="{9DA02370-E2F1-418A-B3D4-5D4E39D3B40B}" type="slidenum">
               <a:rPr lang="fr-FR" smtClean="0"/>
+              <a:pPr/>
               <a:t>‹N°›</a:t>
             </a:fld>
             <a:endParaRPr lang="fr-FR"/>
@@ -1317,7 +1327,8 @@
           <a:p>
             <a:fld id="{7ADE2C52-695C-46A9-9412-2557E544C386}" type="datetimeFigureOut">
               <a:rPr lang="fr-FR" smtClean="0"/>
-              <a:t>16/02/2015</a:t>
+              <a:pPr/>
+              <a:t>17/02/2015</a:t>
             </a:fld>
             <a:endParaRPr lang="fr-FR"/>
           </a:p>
@@ -1359,6 +1370,7 @@
           <a:p>
             <a:fld id="{9DA02370-E2F1-418A-B3D4-5D4E39D3B40B}" type="slidenum">
               <a:rPr lang="fr-FR" smtClean="0"/>
+              <a:pPr/>
               <a:t>‹N°›</a:t>
             </a:fld>
             <a:endParaRPr lang="fr-FR"/>
@@ -1734,7 +1746,8 @@
           <a:p>
             <a:fld id="{7ADE2C52-695C-46A9-9412-2557E544C386}" type="datetimeFigureOut">
               <a:rPr lang="fr-FR" smtClean="0"/>
-              <a:t>16/02/2015</a:t>
+              <a:pPr/>
+              <a:t>17/02/2015</a:t>
             </a:fld>
             <a:endParaRPr lang="fr-FR"/>
           </a:p>
@@ -1776,6 +1789,7 @@
           <a:p>
             <a:fld id="{9DA02370-E2F1-418A-B3D4-5D4E39D3B40B}" type="slidenum">
               <a:rPr lang="fr-FR" smtClean="0"/>
+              <a:pPr/>
               <a:t>‹N°›</a:t>
             </a:fld>
             <a:endParaRPr lang="fr-FR"/>
@@ -1847,7 +1861,8 @@
           <a:p>
             <a:fld id="{7ADE2C52-695C-46A9-9412-2557E544C386}" type="datetimeFigureOut">
               <a:rPr lang="fr-FR" smtClean="0"/>
-              <a:t>16/02/2015</a:t>
+              <a:pPr/>
+              <a:t>17/02/2015</a:t>
             </a:fld>
             <a:endParaRPr lang="fr-FR"/>
           </a:p>
@@ -1889,6 +1904,7 @@
           <a:p>
             <a:fld id="{9DA02370-E2F1-418A-B3D4-5D4E39D3B40B}" type="slidenum">
               <a:rPr lang="fr-FR" smtClean="0"/>
+              <a:pPr/>
               <a:t>‹N°›</a:t>
             </a:fld>
             <a:endParaRPr lang="fr-FR"/>
@@ -1937,7 +1953,8 @@
           <a:p>
             <a:fld id="{7ADE2C52-695C-46A9-9412-2557E544C386}" type="datetimeFigureOut">
               <a:rPr lang="fr-FR" smtClean="0"/>
-              <a:t>16/02/2015</a:t>
+              <a:pPr/>
+              <a:t>17/02/2015</a:t>
             </a:fld>
             <a:endParaRPr lang="fr-FR"/>
           </a:p>
@@ -1979,6 +1996,7 @@
           <a:p>
             <a:fld id="{9DA02370-E2F1-418A-B3D4-5D4E39D3B40B}" type="slidenum">
               <a:rPr lang="fr-FR" smtClean="0"/>
+              <a:pPr/>
               <a:t>‹N°›</a:t>
             </a:fld>
             <a:endParaRPr lang="fr-FR"/>
@@ -2209,7 +2227,8 @@
           <a:p>
             <a:fld id="{7ADE2C52-695C-46A9-9412-2557E544C386}" type="datetimeFigureOut">
               <a:rPr lang="fr-FR" smtClean="0"/>
-              <a:t>16/02/2015</a:t>
+              <a:pPr/>
+              <a:t>17/02/2015</a:t>
             </a:fld>
             <a:endParaRPr lang="fr-FR"/>
           </a:p>
@@ -2251,6 +2270,7 @@
           <a:p>
             <a:fld id="{9DA02370-E2F1-418A-B3D4-5D4E39D3B40B}" type="slidenum">
               <a:rPr lang="fr-FR" smtClean="0"/>
+              <a:pPr/>
               <a:t>‹N°›</a:t>
             </a:fld>
             <a:endParaRPr lang="fr-FR"/>
@@ -2457,7 +2477,8 @@
           <a:p>
             <a:fld id="{7ADE2C52-695C-46A9-9412-2557E544C386}" type="datetimeFigureOut">
               <a:rPr lang="fr-FR" smtClean="0"/>
-              <a:t>16/02/2015</a:t>
+              <a:pPr/>
+              <a:t>17/02/2015</a:t>
             </a:fld>
             <a:endParaRPr lang="fr-FR"/>
           </a:p>
@@ -2499,6 +2520,7 @@
           <a:p>
             <a:fld id="{9DA02370-E2F1-418A-B3D4-5D4E39D3B40B}" type="slidenum">
               <a:rPr lang="fr-FR" smtClean="0"/>
+              <a:pPr/>
               <a:t>‹N°›</a:t>
             </a:fld>
             <a:endParaRPr lang="fr-FR"/>
@@ -2665,7 +2687,8 @@
           <a:p>
             <a:fld id="{7ADE2C52-695C-46A9-9412-2557E544C386}" type="datetimeFigureOut">
               <a:rPr lang="fr-FR" smtClean="0"/>
-              <a:t>16/02/2015</a:t>
+              <a:pPr/>
+              <a:t>17/02/2015</a:t>
             </a:fld>
             <a:endParaRPr lang="fr-FR"/>
           </a:p>
@@ -2743,6 +2766,7 @@
           <a:p>
             <a:fld id="{9DA02370-E2F1-418A-B3D4-5D4E39D3B40B}" type="slidenum">
               <a:rPr lang="fr-FR" smtClean="0"/>
+              <a:pPr/>
               <a:t>‹N°›</a:t>
             </a:fld>
             <a:endParaRPr lang="fr-FR"/>
@@ -3576,16 +3600,304 @@
       </p:sp>
       <p:sp>
         <p:nvSpPr>
-          <p:cNvPr id="30" name="Flèche droite 29"/>
+          <p:cNvPr id="32" name="ZoneTexte 31"/>
+          <p:cNvSpPr txBox="1"/>
+          <p:nvPr/>
+        </p:nvSpPr>
+        <p:spPr>
+          <a:xfrm>
+            <a:off x="827584" y="980728"/>
+            <a:ext cx="1008112" cy="415498"/>
+          </a:xfrm>
+          <a:prstGeom prst="rect">
+            <a:avLst/>
+          </a:prstGeom>
+          <a:noFill/>
+        </p:spPr>
+        <p:txBody>
+          <a:bodyPr wrap="square" rtlCol="0">
+            <a:spAutoFit/>
+          </a:bodyPr>
+          <a:lstStyle/>
+          <a:p>
+            <a:r>
+              <a:rPr lang="fr-FR" sz="1050" b="1" dirty="0" smtClean="0">
+                <a:solidFill>
+                  <a:schemeClr val="tx2">
+                    <a:lumMod val="60000"/>
+                    <a:lumOff val="40000"/>
+                  </a:schemeClr>
+                </a:solidFill>
+                <a:latin typeface="Consolas" pitchFamily="49" charset="0"/>
+                <a:cs typeface="Consolas" pitchFamily="49" charset="0"/>
+              </a:rPr>
+              <a:t>class</a:t>
+            </a:r>
+            <a:r>
+              <a:rPr lang="fr-FR" sz="1050" dirty="0" smtClean="0">
+                <a:latin typeface="Consolas" pitchFamily="49" charset="0"/>
+                <a:cs typeface="Consolas" pitchFamily="49" charset="0"/>
+              </a:rPr>
+              <a:t> </a:t>
+            </a:r>
+            <a:r>
+              <a:rPr lang="fr-FR" sz="1050" dirty="0" err="1" smtClean="0">
+                <a:latin typeface="Consolas" pitchFamily="49" charset="0"/>
+                <a:cs typeface="Consolas" pitchFamily="49" charset="0"/>
+              </a:rPr>
+              <a:t>Mesh</a:t>
+            </a:r>
+            <a:r>
+              <a:rPr lang="fr-FR" sz="1050" dirty="0" smtClean="0">
+                <a:latin typeface="Consolas" pitchFamily="49" charset="0"/>
+                <a:cs typeface="Consolas" pitchFamily="49" charset="0"/>
+              </a:rPr>
+              <a:t>;</a:t>
+            </a:r>
+          </a:p>
+          <a:p>
+            <a:r>
+              <a:rPr lang="fr-FR" sz="1050" b="1" dirty="0" smtClean="0">
+                <a:solidFill>
+                  <a:schemeClr val="tx2">
+                    <a:lumMod val="60000"/>
+                    <a:lumOff val="40000"/>
+                  </a:schemeClr>
+                </a:solidFill>
+                <a:latin typeface="Consolas" pitchFamily="49" charset="0"/>
+                <a:cs typeface="Consolas" pitchFamily="49" charset="0"/>
+              </a:rPr>
+              <a:t>class</a:t>
+            </a:r>
+            <a:r>
+              <a:rPr lang="fr-FR" sz="1050" dirty="0" smtClean="0">
+                <a:latin typeface="Consolas" pitchFamily="49" charset="0"/>
+                <a:cs typeface="Consolas" pitchFamily="49" charset="0"/>
+              </a:rPr>
+              <a:t> </a:t>
+            </a:r>
+            <a:r>
+              <a:rPr lang="fr-FR" sz="1050" dirty="0" err="1" smtClean="0">
+                <a:latin typeface="Consolas" pitchFamily="49" charset="0"/>
+                <a:cs typeface="Consolas" pitchFamily="49" charset="0"/>
+              </a:rPr>
+              <a:t>Node</a:t>
+            </a:r>
+            <a:r>
+              <a:rPr lang="fr-FR" sz="1050" dirty="0" smtClean="0">
+                <a:latin typeface="Consolas" pitchFamily="49" charset="0"/>
+                <a:cs typeface="Consolas" pitchFamily="49" charset="0"/>
+              </a:rPr>
+              <a:t>;</a:t>
+            </a:r>
+            <a:endParaRPr lang="fr-FR" sz="1050" dirty="0">
+              <a:latin typeface="Consolas" pitchFamily="49" charset="0"/>
+              <a:cs typeface="Consolas" pitchFamily="49" charset="0"/>
+            </a:endParaRPr>
+          </a:p>
+        </p:txBody>
+      </p:sp>
+      <p:sp>
+        <p:nvSpPr>
+          <p:cNvPr id="33" name="ZoneTexte 32"/>
+          <p:cNvSpPr txBox="1"/>
+          <p:nvPr/>
+        </p:nvSpPr>
+        <p:spPr>
+          <a:xfrm>
+            <a:off x="1933992" y="980728"/>
+            <a:ext cx="1368152" cy="253916"/>
+          </a:xfrm>
+          <a:prstGeom prst="rect">
+            <a:avLst/>
+          </a:prstGeom>
+          <a:noFill/>
+        </p:spPr>
+        <p:txBody>
+          <a:bodyPr wrap="square" rtlCol="0">
+            <a:spAutoFit/>
+          </a:bodyPr>
+          <a:lstStyle/>
+          <a:p>
+            <a:r>
+              <a:rPr lang="fr-FR" sz="1050" b="1" dirty="0" smtClean="0">
+                <a:solidFill>
+                  <a:schemeClr val="tx2">
+                    <a:lumMod val="60000"/>
+                    <a:lumOff val="40000"/>
+                  </a:schemeClr>
+                </a:solidFill>
+                <a:latin typeface="Consolas" pitchFamily="49" charset="0"/>
+                <a:cs typeface="Consolas" pitchFamily="49" charset="0"/>
+              </a:rPr>
+              <a:t>class</a:t>
+            </a:r>
+            <a:r>
+              <a:rPr lang="fr-FR" sz="1050" dirty="0" smtClean="0">
+                <a:latin typeface="Consolas" pitchFamily="49" charset="0"/>
+                <a:cs typeface="Consolas" pitchFamily="49" charset="0"/>
+              </a:rPr>
+              <a:t> </a:t>
+            </a:r>
+            <a:r>
+              <a:rPr lang="fr-FR" sz="1050" dirty="0" err="1" smtClean="0">
+                <a:latin typeface="Consolas" pitchFamily="49" charset="0"/>
+                <a:cs typeface="Consolas" pitchFamily="49" charset="0"/>
+              </a:rPr>
+              <a:t>VoxelGrid</a:t>
+            </a:r>
+            <a:r>
+              <a:rPr lang="fr-FR" sz="1050" dirty="0" smtClean="0">
+                <a:latin typeface="Consolas" pitchFamily="49" charset="0"/>
+                <a:cs typeface="Consolas" pitchFamily="49" charset="0"/>
+              </a:rPr>
+              <a:t>;</a:t>
+            </a:r>
+            <a:endParaRPr lang="fr-FR" sz="1050" dirty="0">
+              <a:latin typeface="Consolas" pitchFamily="49" charset="0"/>
+              <a:cs typeface="Consolas" pitchFamily="49" charset="0"/>
+            </a:endParaRPr>
+          </a:p>
+        </p:txBody>
+      </p:sp>
+      <p:sp>
+        <p:nvSpPr>
+          <p:cNvPr id="34" name="ZoneTexte 33"/>
+          <p:cNvSpPr txBox="1"/>
+          <p:nvPr/>
+        </p:nvSpPr>
+        <p:spPr>
+          <a:xfrm>
+            <a:off x="3590176" y="980728"/>
+            <a:ext cx="1368152" cy="253916"/>
+          </a:xfrm>
+          <a:prstGeom prst="rect">
+            <a:avLst/>
+          </a:prstGeom>
+          <a:noFill/>
+        </p:spPr>
+        <p:txBody>
+          <a:bodyPr wrap="square" rtlCol="0">
+            <a:spAutoFit/>
+          </a:bodyPr>
+          <a:lstStyle/>
+          <a:p>
+            <a:r>
+              <a:rPr lang="fr-FR" sz="1050" b="1" dirty="0" smtClean="0">
+                <a:solidFill>
+                  <a:schemeClr val="tx2">
+                    <a:lumMod val="60000"/>
+                    <a:lumOff val="40000"/>
+                  </a:schemeClr>
+                </a:solidFill>
+                <a:latin typeface="Consolas" pitchFamily="49" charset="0"/>
+                <a:cs typeface="Consolas" pitchFamily="49" charset="0"/>
+              </a:rPr>
+              <a:t>class</a:t>
+            </a:r>
+            <a:r>
+              <a:rPr lang="fr-FR" sz="1050" dirty="0" smtClean="0">
+                <a:latin typeface="Consolas" pitchFamily="49" charset="0"/>
+                <a:cs typeface="Consolas" pitchFamily="49" charset="0"/>
+              </a:rPr>
+              <a:t> </a:t>
+            </a:r>
+            <a:r>
+              <a:rPr lang="fr-FR" sz="1050" dirty="0" err="1" smtClean="0">
+                <a:latin typeface="Consolas" pitchFamily="49" charset="0"/>
+                <a:cs typeface="Consolas" pitchFamily="49" charset="0"/>
+              </a:rPr>
+              <a:t>Octree</a:t>
+            </a:r>
+            <a:r>
+              <a:rPr lang="fr-FR" sz="1050" dirty="0" smtClean="0">
+                <a:latin typeface="Consolas" pitchFamily="49" charset="0"/>
+                <a:cs typeface="Consolas" pitchFamily="49" charset="0"/>
+              </a:rPr>
+              <a:t>;</a:t>
+            </a:r>
+            <a:endParaRPr lang="fr-FR" sz="1050" dirty="0">
+              <a:latin typeface="Consolas" pitchFamily="49" charset="0"/>
+              <a:cs typeface="Consolas" pitchFamily="49" charset="0"/>
+            </a:endParaRPr>
+          </a:p>
+        </p:txBody>
+      </p:sp>
+      <p:sp>
+        <p:nvSpPr>
+          <p:cNvPr id="35" name="ZoneTexte 34"/>
+          <p:cNvSpPr txBox="1"/>
+          <p:nvPr/>
+        </p:nvSpPr>
+        <p:spPr>
+          <a:xfrm>
+            <a:off x="4948666" y="980728"/>
+            <a:ext cx="1368152" cy="253916"/>
+          </a:xfrm>
+          <a:prstGeom prst="rect">
+            <a:avLst/>
+          </a:prstGeom>
+          <a:noFill/>
+        </p:spPr>
+        <p:txBody>
+          <a:bodyPr wrap="square" rtlCol="0">
+            <a:spAutoFit/>
+          </a:bodyPr>
+          <a:lstStyle/>
+          <a:p>
+            <a:r>
+              <a:rPr lang="fr-FR" sz="1050" b="1" dirty="0" smtClean="0">
+                <a:solidFill>
+                  <a:schemeClr val="tx2">
+                    <a:lumMod val="60000"/>
+                    <a:lumOff val="40000"/>
+                  </a:schemeClr>
+                </a:solidFill>
+                <a:latin typeface="Consolas" pitchFamily="49" charset="0"/>
+                <a:cs typeface="Consolas" pitchFamily="49" charset="0"/>
+              </a:rPr>
+              <a:t>class</a:t>
+            </a:r>
+            <a:r>
+              <a:rPr lang="fr-FR" sz="1050" dirty="0" smtClean="0">
+                <a:latin typeface="Consolas" pitchFamily="49" charset="0"/>
+                <a:cs typeface="Consolas" pitchFamily="49" charset="0"/>
+              </a:rPr>
+              <a:t> </a:t>
+            </a:r>
+            <a:r>
+              <a:rPr lang="fr-FR" sz="1050" dirty="0" err="1" smtClean="0">
+                <a:latin typeface="Consolas" pitchFamily="49" charset="0"/>
+                <a:cs typeface="Consolas" pitchFamily="49" charset="0"/>
+              </a:rPr>
+              <a:t>VoxelDAG</a:t>
+            </a:r>
+            <a:r>
+              <a:rPr lang="fr-FR" sz="1050" dirty="0" smtClean="0">
+                <a:latin typeface="Consolas" pitchFamily="49" charset="0"/>
+                <a:cs typeface="Consolas" pitchFamily="49" charset="0"/>
+              </a:rPr>
+              <a:t>;</a:t>
+            </a:r>
+            <a:endParaRPr lang="fr-FR" sz="1050" dirty="0">
+              <a:latin typeface="Consolas" pitchFamily="49" charset="0"/>
+              <a:cs typeface="Consolas" pitchFamily="49" charset="0"/>
+            </a:endParaRPr>
+          </a:p>
+        </p:txBody>
+      </p:sp>
+      <p:sp>
+        <p:nvSpPr>
+          <p:cNvPr id="19" name="Double flèche verticale 18"/>
           <p:cNvSpPr/>
           <p:nvPr/>
         </p:nvSpPr>
         <p:spPr>
-          <a:xfrm rot="5400000">
-            <a:off x="3823419" y="2238555"/>
-            <a:ext cx="220170" cy="216024"/>
-          </a:xfrm>
-          <a:prstGeom prst="rightArrow">
+          <a:xfrm>
+            <a:off x="3851920" y="2228850"/>
+            <a:ext cx="144016" cy="238125"/>
+          </a:xfrm>
+          <a:prstGeom prst="upDownArrow">
             <a:avLst/>
           </a:prstGeom>
         </p:spPr>
@@ -3616,16 +3928,16 @@
       </p:sp>
       <p:sp>
         <p:nvSpPr>
-          <p:cNvPr id="31" name="Flèche droite 30"/>
+          <p:cNvPr id="21" name="Double flèche verticale 20"/>
           <p:cNvSpPr/>
           <p:nvPr/>
         </p:nvSpPr>
         <p:spPr>
-          <a:xfrm rot="5400000">
-            <a:off x="4101830" y="2582164"/>
-            <a:ext cx="901583" cy="216024"/>
-          </a:xfrm>
-          <a:prstGeom prst="rightArrow">
+          <a:xfrm>
+            <a:off x="4499992" y="2232025"/>
+            <a:ext cx="144016" cy="958850"/>
+          </a:xfrm>
+          <a:prstGeom prst="upDownArrow">
             <a:avLst/>
           </a:prstGeom>
         </p:spPr>
@@ -3656,14 +3968,307 @@
       </p:sp>
       <p:sp>
         <p:nvSpPr>
-          <p:cNvPr id="32" name="ZoneTexte 31"/>
+          <p:cNvPr id="24" name="Flèche gauche 23"/>
+          <p:cNvSpPr/>
+          <p:nvPr/>
+        </p:nvSpPr>
+        <p:spPr>
+          <a:xfrm>
+            <a:off x="1800225" y="1556792"/>
+            <a:ext cx="338138" cy="144016"/>
+          </a:xfrm>
+          <a:prstGeom prst="leftArrow">
+            <a:avLst/>
+          </a:prstGeom>
+        </p:spPr>
+        <p:style>
+          <a:lnRef idx="2">
+            <a:schemeClr val="accent3">
+              <a:shade val="50000"/>
+            </a:schemeClr>
+          </a:lnRef>
+          <a:fillRef idx="1">
+            <a:schemeClr val="accent3"/>
+          </a:fillRef>
+          <a:effectRef idx="0">
+            <a:schemeClr val="accent3"/>
+          </a:effectRef>
+          <a:fontRef idx="minor">
+            <a:schemeClr val="lt1"/>
+          </a:fontRef>
+        </p:style>
+        <p:txBody>
+          <a:bodyPr rtlCol="0" anchor="ctr"/>
+          <a:lstStyle/>
+          <a:p>
+            <a:pPr algn="ctr"/>
+            <a:endParaRPr lang="fr-FR"/>
+          </a:p>
+        </p:txBody>
+      </p:sp>
+      <p:sp>
+        <p:nvSpPr>
+          <p:cNvPr id="27" name="Flèche gauche 26"/>
+          <p:cNvSpPr/>
+          <p:nvPr/>
+        </p:nvSpPr>
+        <p:spPr>
+          <a:xfrm>
+            <a:off x="3100388" y="1556792"/>
+            <a:ext cx="457200" cy="144016"/>
+          </a:xfrm>
+          <a:prstGeom prst="leftArrow">
+            <a:avLst/>
+          </a:prstGeom>
+        </p:spPr>
+        <p:style>
+          <a:lnRef idx="2">
+            <a:schemeClr val="accent3">
+              <a:shade val="50000"/>
+            </a:schemeClr>
+          </a:lnRef>
+          <a:fillRef idx="1">
+            <a:schemeClr val="accent3"/>
+          </a:fillRef>
+          <a:effectRef idx="0">
+            <a:schemeClr val="accent3"/>
+          </a:effectRef>
+          <a:fontRef idx="minor">
+            <a:schemeClr val="lt1"/>
+          </a:fontRef>
+        </p:style>
+        <p:txBody>
+          <a:bodyPr rtlCol="0" anchor="ctr"/>
+          <a:lstStyle/>
+          <a:p>
+            <a:pPr algn="ctr"/>
+            <a:endParaRPr lang="fr-FR"/>
+          </a:p>
+        </p:txBody>
+      </p:sp>
+      <p:sp>
+        <p:nvSpPr>
+          <p:cNvPr id="38" name="Flèche courbée vers le bas 37"/>
+          <p:cNvSpPr/>
+          <p:nvPr/>
+        </p:nvSpPr>
+        <p:spPr>
+          <a:xfrm flipH="1">
+            <a:off x="2915816" y="1240182"/>
+            <a:ext cx="2448272" cy="216024"/>
+          </a:xfrm>
+          <a:prstGeom prst="curvedDownArrow">
+            <a:avLst/>
+          </a:prstGeom>
+        </p:spPr>
+        <p:style>
+          <a:lnRef idx="2">
+            <a:schemeClr val="accent3">
+              <a:shade val="50000"/>
+            </a:schemeClr>
+          </a:lnRef>
+          <a:fillRef idx="1">
+            <a:schemeClr val="accent3"/>
+          </a:fillRef>
+          <a:effectRef idx="0">
+            <a:schemeClr val="accent3"/>
+          </a:effectRef>
+          <a:fontRef idx="minor">
+            <a:schemeClr val="lt1"/>
+          </a:fontRef>
+        </p:style>
+        <p:txBody>
+          <a:bodyPr rtlCol="0" anchor="ctr"/>
+          <a:lstStyle/>
+          <a:p>
+            <a:pPr algn="ctr"/>
+            <a:endParaRPr lang="fr-FR">
+              <a:solidFill>
+                <a:schemeClr val="tx1"/>
+              </a:solidFill>
+            </a:endParaRPr>
+          </a:p>
+        </p:txBody>
+      </p:sp>
+      <p:sp>
+        <p:nvSpPr>
+          <p:cNvPr id="46" name="Rectangle 45"/>
+          <p:cNvSpPr/>
+          <p:nvPr/>
+        </p:nvSpPr>
+        <p:spPr>
+          <a:xfrm>
+            <a:off x="827584" y="2924944"/>
+            <a:ext cx="1296144" cy="792088"/>
+          </a:xfrm>
+          <a:prstGeom prst="rect">
+            <a:avLst/>
+          </a:prstGeom>
+          <a:solidFill>
+            <a:schemeClr val="bg1">
+              <a:lumMod val="95000"/>
+            </a:schemeClr>
+          </a:solidFill>
+          <a:ln w="9525"/>
+        </p:spPr>
+        <p:style>
+          <a:lnRef idx="2">
+            <a:schemeClr val="accent1">
+              <a:shade val="50000"/>
+            </a:schemeClr>
+          </a:lnRef>
+          <a:fillRef idx="1">
+            <a:schemeClr val="accent1"/>
+          </a:fillRef>
+          <a:effectRef idx="0">
+            <a:schemeClr val="accent1"/>
+          </a:effectRef>
+          <a:fontRef idx="minor">
+            <a:schemeClr val="lt1"/>
+          </a:fontRef>
+        </p:style>
+        <p:txBody>
+          <a:bodyPr rtlCol="0" anchor="ctr"/>
+          <a:lstStyle/>
+          <a:p>
+            <a:pPr algn="ctr"/>
+            <a:endParaRPr lang="fr-FR"/>
+          </a:p>
+        </p:txBody>
+      </p:sp>
+      <p:sp>
+        <p:nvSpPr>
+          <p:cNvPr id="40" name="Flèche gauche 39"/>
+          <p:cNvSpPr/>
+          <p:nvPr/>
+        </p:nvSpPr>
+        <p:spPr>
+          <a:xfrm>
+            <a:off x="899592" y="3501008"/>
+            <a:ext cx="288032" cy="144016"/>
+          </a:xfrm>
+          <a:prstGeom prst="leftArrow">
+            <a:avLst>
+              <a:gd name="adj1" fmla="val 43387"/>
+              <a:gd name="adj2" fmla="val 50000"/>
+            </a:avLst>
+          </a:prstGeom>
+        </p:spPr>
+        <p:style>
+          <a:lnRef idx="2">
+            <a:schemeClr val="accent3">
+              <a:shade val="50000"/>
+            </a:schemeClr>
+          </a:lnRef>
+          <a:fillRef idx="1">
+            <a:schemeClr val="accent3"/>
+          </a:fillRef>
+          <a:effectRef idx="0">
+            <a:schemeClr val="accent3"/>
+          </a:effectRef>
+          <a:fontRef idx="minor">
+            <a:schemeClr val="lt1"/>
+          </a:fontRef>
+        </p:style>
+        <p:txBody>
+          <a:bodyPr rtlCol="0" anchor="ctr"/>
+          <a:lstStyle/>
+          <a:p>
+            <a:pPr algn="ctr"/>
+            <a:endParaRPr lang="fr-FR"/>
+          </a:p>
+        </p:txBody>
+      </p:sp>
+      <p:sp>
+        <p:nvSpPr>
+          <p:cNvPr id="41" name="Flèche droite 40"/>
+          <p:cNvSpPr/>
+          <p:nvPr/>
+        </p:nvSpPr>
+        <p:spPr>
+          <a:xfrm>
+            <a:off x="919162" y="2996952"/>
+            <a:ext cx="268461" cy="144016"/>
+          </a:xfrm>
+          <a:prstGeom prst="rightArrow">
+            <a:avLst/>
+          </a:prstGeom>
+        </p:spPr>
+        <p:style>
+          <a:lnRef idx="2">
+            <a:schemeClr val="accent1">
+              <a:shade val="50000"/>
+            </a:schemeClr>
+          </a:lnRef>
+          <a:fillRef idx="1">
+            <a:schemeClr val="accent1"/>
+          </a:fillRef>
+          <a:effectRef idx="0">
+            <a:schemeClr val="accent1"/>
+          </a:effectRef>
+          <a:fontRef idx="minor">
+            <a:schemeClr val="lt1"/>
+          </a:fontRef>
+        </p:style>
+        <p:txBody>
+          <a:bodyPr rtlCol="0" anchor="ctr"/>
+          <a:lstStyle/>
+          <a:p>
+            <a:pPr algn="ctr"/>
+            <a:endParaRPr lang="fr-FR"/>
+          </a:p>
+        </p:txBody>
+      </p:sp>
+      <p:sp>
+        <p:nvSpPr>
+          <p:cNvPr id="42" name="Double flèche verticale 41"/>
+          <p:cNvSpPr/>
+          <p:nvPr/>
+        </p:nvSpPr>
+        <p:spPr>
+          <a:xfrm rot="5400000">
+            <a:off x="968425" y="3181226"/>
+            <a:ext cx="144016" cy="288032"/>
+          </a:xfrm>
+          <a:prstGeom prst="upDownArrow">
+            <a:avLst/>
+          </a:prstGeom>
+        </p:spPr>
+        <p:style>
+          <a:lnRef idx="2">
+            <a:schemeClr val="accent2">
+              <a:shade val="50000"/>
+            </a:schemeClr>
+          </a:lnRef>
+          <a:fillRef idx="1">
+            <a:schemeClr val="accent2"/>
+          </a:fillRef>
+          <a:effectRef idx="0">
+            <a:schemeClr val="accent2"/>
+          </a:effectRef>
+          <a:fontRef idx="minor">
+            <a:schemeClr val="lt1"/>
+          </a:fontRef>
+        </p:style>
+        <p:txBody>
+          <a:bodyPr rtlCol="0" anchor="ctr"/>
+          <a:lstStyle/>
+          <a:p>
+            <a:pPr algn="ctr"/>
+            <a:endParaRPr lang="fr-FR"/>
+          </a:p>
+        </p:txBody>
+      </p:sp>
+      <p:sp>
+        <p:nvSpPr>
+          <p:cNvPr id="43" name="ZoneTexte 42"/>
           <p:cNvSpPr txBox="1"/>
           <p:nvPr/>
         </p:nvSpPr>
         <p:spPr>
           <a:xfrm>
-            <a:off x="827584" y="980728"/>
-            <a:ext cx="1008112" cy="415498"/>
+            <a:off x="1187624" y="2970054"/>
+            <a:ext cx="1152128" cy="200055"/>
           </a:xfrm>
           <a:prstGeom prst="rect">
             <a:avLst/>
@@ -3677,92 +4282,23 @@
           <a:lstStyle/>
           <a:p>
             <a:r>
-              <a:rPr lang="fr-FR" sz="1050" b="1" dirty="0" smtClean="0">
-                <a:solidFill>
-                  <a:schemeClr val="tx2">
-                    <a:lumMod val="60000"/>
-                    <a:lumOff val="40000"/>
-                  </a:schemeClr>
-                </a:solidFill>
-                <a:latin typeface="Consolas" pitchFamily="49" charset="0"/>
-                <a:cs typeface="Consolas" pitchFamily="49" charset="0"/>
-              </a:rPr>
-              <a:t>class</a:t>
-            </a:r>
-            <a:r>
-              <a:rPr lang="fr-FR" sz="1050" dirty="0" smtClean="0">
-                <a:latin typeface="Consolas" pitchFamily="49" charset="0"/>
-                <a:cs typeface="Consolas" pitchFamily="49" charset="0"/>
-              </a:rPr>
-              <a:t> </a:t>
-            </a:r>
-            <a:r>
-              <a:rPr lang="fr-FR" sz="1050" dirty="0" err="1" smtClean="0">
-                <a:latin typeface="Consolas" pitchFamily="49" charset="0"/>
-                <a:cs typeface="Consolas" pitchFamily="49" charset="0"/>
-              </a:rPr>
-              <a:t>Mesh</a:t>
-            </a:r>
-            <a:r>
-              <a:rPr lang="fr-FR" sz="1050" dirty="0" smtClean="0">
-                <a:latin typeface="Consolas" pitchFamily="49" charset="0"/>
-                <a:cs typeface="Consolas" pitchFamily="49" charset="0"/>
-              </a:rPr>
-              <a:t>;</a:t>
-            </a:r>
-          </a:p>
-          <a:p>
-            <a:r>
-              <a:rPr lang="fr-FR" sz="1050" b="1" dirty="0" smtClean="0">
-                <a:solidFill>
-                  <a:schemeClr val="tx2">
-                    <a:lumMod val="60000"/>
-                    <a:lumOff val="40000"/>
-                  </a:schemeClr>
-                </a:solidFill>
-                <a:latin typeface="Consolas" pitchFamily="49" charset="0"/>
-                <a:cs typeface="Consolas" pitchFamily="49" charset="0"/>
-              </a:rPr>
-              <a:t>class</a:t>
-            </a:r>
-            <a:r>
-              <a:rPr lang="fr-FR" sz="1050" dirty="0" smtClean="0">
-                <a:latin typeface="Consolas" pitchFamily="49" charset="0"/>
-                <a:cs typeface="Consolas" pitchFamily="49" charset="0"/>
-              </a:rPr>
-              <a:t> </a:t>
-            </a:r>
-            <a:r>
-              <a:rPr lang="fr-FR" sz="1050" dirty="0" err="1" smtClean="0">
-                <a:latin typeface="Consolas" pitchFamily="49" charset="0"/>
-                <a:cs typeface="Consolas" pitchFamily="49" charset="0"/>
-              </a:rPr>
-              <a:t>Node</a:t>
-            </a:r>
-            <a:r>
-              <a:rPr lang="fr-FR" sz="1050" dirty="0" smtClean="0">
-                <a:latin typeface="Consolas" pitchFamily="49" charset="0"/>
-                <a:cs typeface="Consolas" pitchFamily="49" charset="0"/>
-              </a:rPr>
-              <a:t>;</a:t>
-            </a:r>
-            <a:endParaRPr lang="fr-FR" sz="1050" dirty="0">
-              <a:latin typeface="Consolas" pitchFamily="49" charset="0"/>
-              <a:cs typeface="Consolas" pitchFamily="49" charset="0"/>
-            </a:endParaRPr>
-          </a:p>
-        </p:txBody>
-      </p:sp>
-      <p:sp>
-        <p:nvSpPr>
-          <p:cNvPr id="33" name="ZoneTexte 32"/>
+              <a:rPr lang="fr-FR" sz="700" b="1" dirty="0" smtClean="0"/>
+              <a:t>Structural pipeline</a:t>
+            </a:r>
+            <a:endParaRPr lang="fr-FR" sz="700" b="1" dirty="0"/>
+          </a:p>
+        </p:txBody>
+      </p:sp>
+      <p:sp>
+        <p:nvSpPr>
+          <p:cNvPr id="44" name="ZoneTexte 43"/>
           <p:cNvSpPr txBox="1"/>
           <p:nvPr/>
         </p:nvSpPr>
         <p:spPr>
           <a:xfrm>
-            <a:off x="1933992" y="980728"/>
-            <a:ext cx="1368152" cy="253916"/>
+            <a:off x="1187624" y="3212976"/>
+            <a:ext cx="1152128" cy="200055"/>
           </a:xfrm>
           <a:prstGeom prst="rect">
             <a:avLst/>
@@ -3776,56 +4312,23 @@
           <a:lstStyle/>
           <a:p>
             <a:r>
-              <a:rPr lang="fr-FR" sz="1050" b="1" dirty="0" smtClean="0">
-                <a:solidFill>
-                  <a:schemeClr val="tx2">
-                    <a:lumMod val="60000"/>
-                    <a:lumOff val="40000"/>
-                  </a:schemeClr>
-                </a:solidFill>
-                <a:latin typeface="Consolas" pitchFamily="49" charset="0"/>
-                <a:cs typeface="Consolas" pitchFamily="49" charset="0"/>
-              </a:rPr>
-              <a:t>class</a:t>
-            </a:r>
-            <a:r>
-              <a:rPr lang="fr-FR" sz="1050" dirty="0" smtClean="0">
-                <a:latin typeface="Consolas" pitchFamily="49" charset="0"/>
-                <a:cs typeface="Consolas" pitchFamily="49" charset="0"/>
-              </a:rPr>
-              <a:t> </a:t>
-            </a:r>
-            <a:r>
-              <a:rPr lang="fr-FR" sz="1050" dirty="0" err="1" smtClean="0">
-                <a:latin typeface="Consolas" pitchFamily="49" charset="0"/>
-                <a:cs typeface="Consolas" pitchFamily="49" charset="0"/>
-              </a:rPr>
-              <a:t>VoxelGrid</a:t>
-            </a:r>
-            <a:r>
-              <a:rPr lang="fr-FR" sz="1050" dirty="0" smtClean="0">
-                <a:latin typeface="Consolas" pitchFamily="49" charset="0"/>
-                <a:cs typeface="Consolas" pitchFamily="49" charset="0"/>
-              </a:rPr>
-              <a:t>;</a:t>
-            </a:r>
-            <a:endParaRPr lang="fr-FR" sz="1050" dirty="0">
-              <a:latin typeface="Consolas" pitchFamily="49" charset="0"/>
-              <a:cs typeface="Consolas" pitchFamily="49" charset="0"/>
-            </a:endParaRPr>
-          </a:p>
-        </p:txBody>
-      </p:sp>
-      <p:sp>
-        <p:nvSpPr>
-          <p:cNvPr id="34" name="ZoneTexte 33"/>
+              <a:rPr lang="fr-FR" sz="700" b="1" dirty="0" err="1" smtClean="0"/>
+              <a:t>Encoding</a:t>
+            </a:r>
+            <a:endParaRPr lang="fr-FR" sz="700" b="1" dirty="0"/>
+          </a:p>
+        </p:txBody>
+      </p:sp>
+      <p:sp>
+        <p:nvSpPr>
+          <p:cNvPr id="45" name="ZoneTexte 44"/>
           <p:cNvSpPr txBox="1"/>
           <p:nvPr/>
         </p:nvSpPr>
         <p:spPr>
           <a:xfrm>
-            <a:off x="3590176" y="980728"/>
-            <a:ext cx="1368152" cy="253916"/>
+            <a:off x="1187624" y="3467667"/>
+            <a:ext cx="1152128" cy="200055"/>
           </a:xfrm>
           <a:prstGeom prst="rect">
             <a:avLst/>
@@ -3839,92 +4342,14 @@
           <a:lstStyle/>
           <a:p>
             <a:r>
-              <a:rPr lang="fr-FR" sz="1050" b="1" dirty="0" smtClean="0">
-                <a:solidFill>
-                  <a:schemeClr val="tx2">
-                    <a:lumMod val="60000"/>
-                    <a:lumOff val="40000"/>
-                  </a:schemeClr>
-                </a:solidFill>
-                <a:latin typeface="Consolas" pitchFamily="49" charset="0"/>
-                <a:cs typeface="Consolas" pitchFamily="49" charset="0"/>
-              </a:rPr>
-              <a:t>class</a:t>
-            </a:r>
-            <a:r>
-              <a:rPr lang="fr-FR" sz="1050" dirty="0" smtClean="0">
-                <a:latin typeface="Consolas" pitchFamily="49" charset="0"/>
-                <a:cs typeface="Consolas" pitchFamily="49" charset="0"/>
-              </a:rPr>
-              <a:t> </a:t>
-            </a:r>
-            <a:r>
-              <a:rPr lang="fr-FR" sz="1050" dirty="0" err="1" smtClean="0">
-                <a:latin typeface="Consolas" pitchFamily="49" charset="0"/>
-                <a:cs typeface="Consolas" pitchFamily="49" charset="0"/>
-              </a:rPr>
-              <a:t>Octree</a:t>
-            </a:r>
-            <a:r>
-              <a:rPr lang="fr-FR" sz="1050" dirty="0" smtClean="0">
-                <a:latin typeface="Consolas" pitchFamily="49" charset="0"/>
-                <a:cs typeface="Consolas" pitchFamily="49" charset="0"/>
-              </a:rPr>
-              <a:t>;</a:t>
-            </a:r>
-            <a:endParaRPr lang="fr-FR" sz="1050" dirty="0">
-              <a:latin typeface="Consolas" pitchFamily="49" charset="0"/>
-              <a:cs typeface="Consolas" pitchFamily="49" charset="0"/>
-            </a:endParaRPr>
-          </a:p>
-        </p:txBody>
-      </p:sp>
-      <p:sp>
-        <p:nvSpPr>
-          <p:cNvPr id="35" name="ZoneTexte 34"/>
-          <p:cNvSpPr txBox="1"/>
-          <p:nvPr/>
-        </p:nvSpPr>
-        <p:spPr>
-          <a:xfrm>
-            <a:off x="5148064" y="980728"/>
-            <a:ext cx="936104" cy="253916"/>
-          </a:xfrm>
-          <a:prstGeom prst="rect">
-            <a:avLst/>
-          </a:prstGeom>
-          <a:noFill/>
-        </p:spPr>
-        <p:txBody>
-          <a:bodyPr wrap="square" rtlCol="0">
-            <a:spAutoFit/>
-          </a:bodyPr>
-          <a:lstStyle/>
-          <a:p>
-            <a:r>
-              <a:rPr lang="fr-FR" sz="1050" b="1" dirty="0" smtClean="0">
-                <a:solidFill>
-                  <a:schemeClr val="tx2">
-                    <a:lumMod val="60000"/>
-                    <a:lumOff val="40000"/>
-                  </a:schemeClr>
-                </a:solidFill>
-                <a:latin typeface="Consolas" pitchFamily="49" charset="0"/>
-                <a:cs typeface="Consolas" pitchFamily="49" charset="0"/>
-              </a:rPr>
-              <a:t>class</a:t>
-            </a:r>
-            <a:r>
-              <a:rPr lang="fr-FR" sz="1050" dirty="0" smtClean="0">
-                <a:latin typeface="Consolas" pitchFamily="49" charset="0"/>
-                <a:cs typeface="Consolas" pitchFamily="49" charset="0"/>
-              </a:rPr>
-              <a:t> DAG;</a:t>
-            </a:r>
-            <a:endParaRPr lang="fr-FR" sz="1050" dirty="0">
-              <a:latin typeface="Consolas" pitchFamily="49" charset="0"/>
-              <a:cs typeface="Consolas" pitchFamily="49" charset="0"/>
-            </a:endParaRPr>
+              <a:rPr lang="fr-FR" sz="700" b="1" dirty="0" err="1" smtClean="0"/>
+              <a:t>Rendering</a:t>
+            </a:r>
+            <a:r>
+              <a:rPr lang="fr-FR" sz="700" b="1" dirty="0" smtClean="0"/>
+              <a:t> pipeline</a:t>
+            </a:r>
+            <a:endParaRPr lang="fr-FR" sz="700" b="1" dirty="0"/>
           </a:p>
         </p:txBody>
       </p:sp>

--- a/ClassGraph.pptx
+++ b/ClassGraph.pptx
@@ -3537,7 +3537,7 @@
             </a:r>
             <a:r>
               <a:rPr lang="fr-FR" sz="1200" dirty="0" smtClean="0"/>
-              <a:t>-pointer</a:t>
+              <a:t>-index</a:t>
             </a:r>
             <a:endParaRPr lang="fr-FR" sz="1200" dirty="0"/>
           </a:p>
@@ -3587,12 +3587,16 @@
           <a:p>
             <a:pPr algn="ctr"/>
             <a:r>
-              <a:rPr lang="fr-FR" sz="1200" dirty="0" err="1" smtClean="0"/>
-              <a:t>Breath</a:t>
+              <a:rPr lang="fr-FR" sz="1200" smtClean="0"/>
+              <a:t>Breadth</a:t>
             </a:r>
             <a:r>
               <a:rPr lang="fr-FR" sz="1200" dirty="0" smtClean="0"/>
-              <a:t> first</a:t>
+              <a:t> </a:t>
+            </a:r>
+            <a:r>
+              <a:rPr lang="fr-FR" sz="1200" dirty="0" smtClean="0"/>
+              <a:t>first</a:t>
             </a:r>
             <a:endParaRPr lang="fr-FR" sz="1200" dirty="0"/>
           </a:p>
